--- a/Aula 6/ComandosDCL.pptx
+++ b/Aula 6/ComandosDCL.pptx
@@ -112,6 +112,11 @@
       </a:defRPr>
     </a:lvl9pPr>
   </p:defaultTextStyle>
+  <p:extLst>
+    <p:ext uri="{EFAFB233-063F-42B5-8137-9DF3F51BA10A}">
+      <p15:sldGuideLst xmlns:p15="http://schemas.microsoft.com/office/powerpoint/2012/main"/>
+    </p:ext>
+  </p:extLst>
 </p:presentation>
 </file>
 
@@ -262,7 +267,7 @@
           <a:p>
             <a:fld id="{1C45F205-BC06-4923-AE40-F9637F79EC90}" type="datetimeFigureOut">
               <a:rPr lang="pt-BR" smtClean="0"/>
-              <a:t>21/07/2025</a:t>
+              <a:t>05/10/2025</a:t>
             </a:fld>
             <a:endParaRPr lang="pt-BR"/>
           </a:p>
@@ -460,7 +465,7 @@
           <a:p>
             <a:fld id="{1C45F205-BC06-4923-AE40-F9637F79EC90}" type="datetimeFigureOut">
               <a:rPr lang="pt-BR" smtClean="0"/>
-              <a:t>21/07/2025</a:t>
+              <a:t>05/10/2025</a:t>
             </a:fld>
             <a:endParaRPr lang="pt-BR"/>
           </a:p>
@@ -668,7 +673,7 @@
           <a:p>
             <a:fld id="{1C45F205-BC06-4923-AE40-F9637F79EC90}" type="datetimeFigureOut">
               <a:rPr lang="pt-BR" smtClean="0"/>
-              <a:t>21/07/2025</a:t>
+              <a:t>05/10/2025</a:t>
             </a:fld>
             <a:endParaRPr lang="pt-BR"/>
           </a:p>
@@ -866,7 +871,7 @@
           <a:p>
             <a:fld id="{1C45F205-BC06-4923-AE40-F9637F79EC90}" type="datetimeFigureOut">
               <a:rPr lang="pt-BR" smtClean="0"/>
-              <a:t>21/07/2025</a:t>
+              <a:t>05/10/2025</a:t>
             </a:fld>
             <a:endParaRPr lang="pt-BR"/>
           </a:p>
@@ -1141,7 +1146,7 @@
           <a:p>
             <a:fld id="{1C45F205-BC06-4923-AE40-F9637F79EC90}" type="datetimeFigureOut">
               <a:rPr lang="pt-BR" smtClean="0"/>
-              <a:t>21/07/2025</a:t>
+              <a:t>05/10/2025</a:t>
             </a:fld>
             <a:endParaRPr lang="pt-BR"/>
           </a:p>
@@ -1406,7 +1411,7 @@
           <a:p>
             <a:fld id="{1C45F205-BC06-4923-AE40-F9637F79EC90}" type="datetimeFigureOut">
               <a:rPr lang="pt-BR" smtClean="0"/>
-              <a:t>21/07/2025</a:t>
+              <a:t>05/10/2025</a:t>
             </a:fld>
             <a:endParaRPr lang="pt-BR"/>
           </a:p>
@@ -1818,7 +1823,7 @@
           <a:p>
             <a:fld id="{1C45F205-BC06-4923-AE40-F9637F79EC90}" type="datetimeFigureOut">
               <a:rPr lang="pt-BR" smtClean="0"/>
-              <a:t>21/07/2025</a:t>
+              <a:t>05/10/2025</a:t>
             </a:fld>
             <a:endParaRPr lang="pt-BR"/>
           </a:p>
@@ -1959,7 +1964,7 @@
           <a:p>
             <a:fld id="{1C45F205-BC06-4923-AE40-F9637F79EC90}" type="datetimeFigureOut">
               <a:rPr lang="pt-BR" smtClean="0"/>
-              <a:t>21/07/2025</a:t>
+              <a:t>05/10/2025</a:t>
             </a:fld>
             <a:endParaRPr lang="pt-BR"/>
           </a:p>
@@ -2072,7 +2077,7 @@
           <a:p>
             <a:fld id="{1C45F205-BC06-4923-AE40-F9637F79EC90}" type="datetimeFigureOut">
               <a:rPr lang="pt-BR" smtClean="0"/>
-              <a:t>21/07/2025</a:t>
+              <a:t>05/10/2025</a:t>
             </a:fld>
             <a:endParaRPr lang="pt-BR"/>
           </a:p>
@@ -2383,7 +2388,7 @@
           <a:p>
             <a:fld id="{1C45F205-BC06-4923-AE40-F9637F79EC90}" type="datetimeFigureOut">
               <a:rPr lang="pt-BR" smtClean="0"/>
-              <a:t>21/07/2025</a:t>
+              <a:t>05/10/2025</a:t>
             </a:fld>
             <a:endParaRPr lang="pt-BR"/>
           </a:p>
@@ -2671,7 +2676,7 @@
           <a:p>
             <a:fld id="{1C45F205-BC06-4923-AE40-F9637F79EC90}" type="datetimeFigureOut">
               <a:rPr lang="pt-BR" smtClean="0"/>
-              <a:t>21/07/2025</a:t>
+              <a:t>05/10/2025</a:t>
             </a:fld>
             <a:endParaRPr lang="pt-BR"/>
           </a:p>
@@ -2912,7 +2917,7 @@
           <a:p>
             <a:fld id="{1C45F205-BC06-4923-AE40-F9637F79EC90}" type="datetimeFigureOut">
               <a:rPr lang="pt-BR" smtClean="0"/>
-              <a:t>21/07/2025</a:t>
+              <a:t>05/10/2025</a:t>
             </a:fld>
             <a:endParaRPr lang="pt-BR"/>
           </a:p>
@@ -4354,7 +4359,7 @@
         <p:spPr>
           <a:xfrm>
             <a:off x="756138" y="1086650"/>
-            <a:ext cx="10955215" cy="2554545"/>
+            <a:ext cx="10955215" cy="2862322"/>
           </a:xfrm>
           <a:prstGeom prst="rect">
             <a:avLst/>
@@ -4465,11 +4470,103 @@
             </a:r>
             <a:r>
               <a:rPr lang="en-US" sz="2000" dirty="0"/>
-              <a:t>.</a:t>
-            </a:r>
-          </a:p>
-          <a:p>
-            <a:endParaRPr lang="en-US" sz="2000" u="sng" dirty="0"/>
+              <a:t>. De modo </a:t>
+            </a:r>
+            <a:r>
+              <a:rPr lang="en-US" sz="2000" dirty="0" err="1"/>
+              <a:t>geral</a:t>
+            </a:r>
+            <a:r>
+              <a:rPr lang="en-US" sz="2000" dirty="0"/>
+              <a:t>, </a:t>
+            </a:r>
+            <a:r>
+              <a:rPr lang="en-US" sz="2000" b="1" dirty="0"/>
+              <a:t>é </a:t>
+            </a:r>
+            <a:r>
+              <a:rPr lang="en-US" sz="2000" b="1" dirty="0" err="1"/>
+              <a:t>necessário</a:t>
+            </a:r>
+            <a:r>
+              <a:rPr lang="en-US" sz="2000" dirty="0"/>
+              <a:t> </a:t>
+            </a:r>
+            <a:r>
+              <a:rPr lang="en-US" sz="2000" dirty="0" err="1"/>
+              <a:t>que</a:t>
+            </a:r>
+            <a:r>
+              <a:rPr lang="en-US" sz="2000" dirty="0"/>
+              <a:t> </a:t>
+            </a:r>
+            <a:r>
+              <a:rPr lang="en-US" sz="2000" dirty="0" err="1"/>
+              <a:t>informemos</a:t>
+            </a:r>
+            <a:r>
+              <a:rPr lang="en-US" sz="2000" dirty="0"/>
+              <a:t> qual o </a:t>
+            </a:r>
+            <a:r>
+              <a:rPr lang="en-US" sz="2000" dirty="0" err="1"/>
+              <a:t>endereço</a:t>
+            </a:r>
+            <a:r>
+              <a:rPr lang="en-US" sz="2000" dirty="0"/>
+              <a:t> IP </a:t>
+            </a:r>
+            <a:r>
+              <a:rPr lang="en-US" sz="2000" dirty="0" err="1"/>
+              <a:t>poderá</a:t>
+            </a:r>
+            <a:r>
+              <a:rPr lang="en-US" sz="2000" dirty="0"/>
+              <a:t> </a:t>
+            </a:r>
+            <a:r>
+              <a:rPr lang="en-US" sz="2000" dirty="0" err="1"/>
+              <a:t>acessar</a:t>
+            </a:r>
+            <a:r>
+              <a:rPr lang="en-US" sz="2000" dirty="0"/>
+              <a:t> (‘@’%’, ‘@’localhost’ </a:t>
+            </a:r>
+            <a:r>
+              <a:rPr lang="en-US" sz="2000" dirty="0" err="1"/>
+              <a:t>ou</a:t>
+            </a:r>
+            <a:r>
+              <a:rPr lang="en-US" sz="2000" dirty="0"/>
+              <a:t> ‘@’</a:t>
+            </a:r>
+            <a:r>
+              <a:rPr lang="en-US" sz="2000" dirty="0" err="1"/>
+              <a:t>EndereçoIP</a:t>
+            </a:r>
+            <a:r>
+              <a:rPr lang="en-US" sz="2000" dirty="0"/>
+              <a:t>’ </a:t>
+            </a:r>
+            <a:r>
+              <a:rPr lang="en-US" sz="2000" dirty="0" err="1"/>
+              <a:t>após</a:t>
+            </a:r>
+            <a:r>
+              <a:rPr lang="en-US" sz="2000" dirty="0"/>
+              <a:t> o </a:t>
+            </a:r>
+            <a:r>
+              <a:rPr lang="en-US" sz="2000" dirty="0" err="1"/>
+              <a:t>nome</a:t>
+            </a:r>
+            <a:r>
+              <a:rPr lang="en-US" sz="2000" dirty="0"/>
+              <a:t>).</a:t>
+            </a:r>
+          </a:p>
+          <a:p>
+            <a:endParaRPr lang="en-US" sz="2000" dirty="0"/>
           </a:p>
           <a:p>
             <a:r>
@@ -5102,7 +5199,7 @@
         <p:spPr>
           <a:xfrm>
             <a:off x="5864469" y="1573822"/>
-            <a:ext cx="5460023" cy="4524315"/>
+            <a:ext cx="5460023" cy="4154984"/>
           </a:xfrm>
           <a:prstGeom prst="rect">
             <a:avLst/>
@@ -5232,23 +5329,7 @@
             </a:r>
             <a:r>
               <a:rPr lang="en-US" sz="2400" dirty="0"/>
-              <a:t> INSERT, DELETE e DROP </a:t>
-            </a:r>
-            <a:r>
-              <a:rPr lang="en-US" sz="2400" dirty="0" err="1"/>
-              <a:t>na</a:t>
-            </a:r>
-            <a:r>
-              <a:rPr lang="en-US" sz="2400" dirty="0"/>
-              <a:t> </a:t>
-            </a:r>
-            <a:r>
-              <a:rPr lang="en-US" sz="2400" dirty="0" err="1"/>
-              <a:t>tabela</a:t>
-            </a:r>
-            <a:r>
-              <a:rPr lang="en-US" sz="2400" dirty="0"/>
-              <a:t> Musica;</a:t>
+              <a:t> INSERT, DELETE;</a:t>
             </a:r>
           </a:p>
           <a:p>
@@ -5364,23 +5445,7 @@
             </a:r>
             <a:r>
               <a:rPr lang="en-US" sz="2400" dirty="0"/>
-              <a:t> </a:t>
-            </a:r>
-            <a:r>
-              <a:rPr lang="en-US" sz="2400" dirty="0" err="1"/>
-              <a:t>na</a:t>
-            </a:r>
-            <a:r>
-              <a:rPr lang="en-US" sz="2400" dirty="0"/>
-              <a:t> </a:t>
-            </a:r>
-            <a:r>
-              <a:rPr lang="en-US" sz="2400" dirty="0" err="1"/>
-              <a:t>tabela</a:t>
-            </a:r>
-            <a:r>
-              <a:rPr lang="en-US" sz="2400" dirty="0"/>
-              <a:t> Musica;</a:t>
+              <a:t>;</a:t>
             </a:r>
           </a:p>
           <a:p>

--- a/Aula 6/ComandosDCL.pptx
+++ b/Aula 6/ComandosDCL.pptx
@@ -267,7 +267,7 @@
           <a:p>
             <a:fld id="{1C45F205-BC06-4923-AE40-F9637F79EC90}" type="datetimeFigureOut">
               <a:rPr lang="pt-BR" smtClean="0"/>
-              <a:t>05/10/2025</a:t>
+              <a:t>25/01/2026</a:t>
             </a:fld>
             <a:endParaRPr lang="pt-BR"/>
           </a:p>
@@ -465,7 +465,7 @@
           <a:p>
             <a:fld id="{1C45F205-BC06-4923-AE40-F9637F79EC90}" type="datetimeFigureOut">
               <a:rPr lang="pt-BR" smtClean="0"/>
-              <a:t>05/10/2025</a:t>
+              <a:t>25/01/2026</a:t>
             </a:fld>
             <a:endParaRPr lang="pt-BR"/>
           </a:p>
@@ -673,7 +673,7 @@
           <a:p>
             <a:fld id="{1C45F205-BC06-4923-AE40-F9637F79EC90}" type="datetimeFigureOut">
               <a:rPr lang="pt-BR" smtClean="0"/>
-              <a:t>05/10/2025</a:t>
+              <a:t>25/01/2026</a:t>
             </a:fld>
             <a:endParaRPr lang="pt-BR"/>
           </a:p>
@@ -871,7 +871,7 @@
           <a:p>
             <a:fld id="{1C45F205-BC06-4923-AE40-F9637F79EC90}" type="datetimeFigureOut">
               <a:rPr lang="pt-BR" smtClean="0"/>
-              <a:t>05/10/2025</a:t>
+              <a:t>25/01/2026</a:t>
             </a:fld>
             <a:endParaRPr lang="pt-BR"/>
           </a:p>
@@ -1146,7 +1146,7 @@
           <a:p>
             <a:fld id="{1C45F205-BC06-4923-AE40-F9637F79EC90}" type="datetimeFigureOut">
               <a:rPr lang="pt-BR" smtClean="0"/>
-              <a:t>05/10/2025</a:t>
+              <a:t>25/01/2026</a:t>
             </a:fld>
             <a:endParaRPr lang="pt-BR"/>
           </a:p>
@@ -1411,7 +1411,7 @@
           <a:p>
             <a:fld id="{1C45F205-BC06-4923-AE40-F9637F79EC90}" type="datetimeFigureOut">
               <a:rPr lang="pt-BR" smtClean="0"/>
-              <a:t>05/10/2025</a:t>
+              <a:t>25/01/2026</a:t>
             </a:fld>
             <a:endParaRPr lang="pt-BR"/>
           </a:p>
@@ -1823,7 +1823,7 @@
           <a:p>
             <a:fld id="{1C45F205-BC06-4923-AE40-F9637F79EC90}" type="datetimeFigureOut">
               <a:rPr lang="pt-BR" smtClean="0"/>
-              <a:t>05/10/2025</a:t>
+              <a:t>25/01/2026</a:t>
             </a:fld>
             <a:endParaRPr lang="pt-BR"/>
           </a:p>
@@ -1964,7 +1964,7 @@
           <a:p>
             <a:fld id="{1C45F205-BC06-4923-AE40-F9637F79EC90}" type="datetimeFigureOut">
               <a:rPr lang="pt-BR" smtClean="0"/>
-              <a:t>05/10/2025</a:t>
+              <a:t>25/01/2026</a:t>
             </a:fld>
             <a:endParaRPr lang="pt-BR"/>
           </a:p>
@@ -2077,7 +2077,7 @@
           <a:p>
             <a:fld id="{1C45F205-BC06-4923-AE40-F9637F79EC90}" type="datetimeFigureOut">
               <a:rPr lang="pt-BR" smtClean="0"/>
-              <a:t>05/10/2025</a:t>
+              <a:t>25/01/2026</a:t>
             </a:fld>
             <a:endParaRPr lang="pt-BR"/>
           </a:p>
@@ -2388,7 +2388,7 @@
           <a:p>
             <a:fld id="{1C45F205-BC06-4923-AE40-F9637F79EC90}" type="datetimeFigureOut">
               <a:rPr lang="pt-BR" smtClean="0"/>
-              <a:t>05/10/2025</a:t>
+              <a:t>25/01/2026</a:t>
             </a:fld>
             <a:endParaRPr lang="pt-BR"/>
           </a:p>
@@ -2676,7 +2676,7 @@
           <a:p>
             <a:fld id="{1C45F205-BC06-4923-AE40-F9637F79EC90}" type="datetimeFigureOut">
               <a:rPr lang="pt-BR" smtClean="0"/>
-              <a:t>05/10/2025</a:t>
+              <a:t>25/01/2026</a:t>
             </a:fld>
             <a:endParaRPr lang="pt-BR"/>
           </a:p>
@@ -2917,7 +2917,7 @@
           <a:p>
             <a:fld id="{1C45F205-BC06-4923-AE40-F9637F79EC90}" type="datetimeFigureOut">
               <a:rPr lang="pt-BR" smtClean="0"/>
-              <a:t>05/10/2025</a:t>
+              <a:t>25/01/2026</a:t>
             </a:fld>
             <a:endParaRPr lang="pt-BR"/>
           </a:p>
@@ -4372,6 +4372,7 @@
           </a:bodyPr>
           <a:lstStyle/>
           <a:p>
+            <a:pPr algn="ctr"/>
             <a:r>
               <a:rPr lang="en-US" sz="2000" dirty="0"/>
               <a:t>Concede </a:t>
@@ -4406,7 +4407,7 @@
             </a:r>
             <a:r>
               <a:rPr lang="en-US" sz="2000" dirty="0"/>
-              <a:t>, é claro que é </a:t>
+              <a:t>, é </a:t>
             </a:r>
             <a:r>
               <a:rPr lang="en-US" sz="2000" dirty="0" err="1"/>
@@ -4636,10 +4637,10 @@
       </p:sp>
       <p:pic>
         <p:nvPicPr>
-          <p:cNvPr id="6" name="Imagem 5">
-            <a:extLst>
-              <a:ext uri="{FF2B5EF4-FFF2-40B4-BE49-F238E27FC236}">
-                <a16:creationId xmlns:a16="http://schemas.microsoft.com/office/drawing/2014/main" id="{206D6FEA-1122-81F7-005F-D92F800A8587}"/>
+          <p:cNvPr id="7" name="Imagem 6" descr="Texto&#10;&#10;O conteúdo gerado por IA pode estar incorreto.">
+            <a:extLst>
+              <a:ext uri="{FF2B5EF4-FFF2-40B4-BE49-F238E27FC236}">
+                <a16:creationId xmlns:a16="http://schemas.microsoft.com/office/drawing/2014/main" id="{F1FAE06D-BC0D-B9AE-5994-259E06641914}"/>
               </a:ext>
             </a:extLst>
           </p:cNvPr>
@@ -4656,8 +4657,8 @@
         </p:blipFill>
         <p:spPr>
           <a:xfrm>
-            <a:off x="2495047" y="4044517"/>
-            <a:ext cx="7201905" cy="2410161"/>
+            <a:off x="2399397" y="4160300"/>
+            <a:ext cx="7668695" cy="2486372"/>
           </a:xfrm>
           <a:prstGeom prst="rect">
             <a:avLst/>
@@ -4804,6 +4805,7 @@
           </a:bodyPr>
           <a:lstStyle/>
           <a:p>
+            <a:pPr algn="ctr"/>
             <a:r>
               <a:rPr lang="en-US" sz="2000" dirty="0" err="1"/>
               <a:t>Revoga</a:t>
@@ -5176,8 +5178,8 @@
         </p:blipFill>
         <p:spPr>
           <a:xfrm>
-            <a:off x="867508" y="1826406"/>
-            <a:ext cx="4005127" cy="3383642"/>
+            <a:off x="542078" y="1632043"/>
+            <a:ext cx="4780314" cy="4038541"/>
           </a:xfrm>
           <a:prstGeom prst="rect">
             <a:avLst/>
@@ -5198,8 +5200,8 @@
         </p:nvSpPr>
         <p:spPr>
           <a:xfrm>
-            <a:off x="5864469" y="1573822"/>
-            <a:ext cx="5460023" cy="4154984"/>
+            <a:off x="5864470" y="1943153"/>
+            <a:ext cx="5723793" cy="3416320"/>
           </a:xfrm>
           <a:prstGeom prst="rect">
             <a:avLst/>

--- a/Aula 6/ComandosDCL.pptx
+++ b/Aula 6/ComandosDCL.pptx
@@ -12,8 +12,10 @@
     <p:sldId id="265" r:id="rId6"/>
     <p:sldId id="266" r:id="rId7"/>
     <p:sldId id="267" r:id="rId8"/>
-    <p:sldId id="268" r:id="rId9"/>
-    <p:sldId id="275" r:id="rId10"/>
+    <p:sldId id="276" r:id="rId9"/>
+    <p:sldId id="277" r:id="rId10"/>
+    <p:sldId id="268" r:id="rId11"/>
+    <p:sldId id="275" r:id="rId12"/>
   </p:sldIdLst>
   <p:sldSz cx="12192000" cy="6858000"/>
   <p:notesSz cx="6858000" cy="9144000"/>
@@ -267,7 +269,7 @@
           <a:p>
             <a:fld id="{1C45F205-BC06-4923-AE40-F9637F79EC90}" type="datetimeFigureOut">
               <a:rPr lang="pt-BR" smtClean="0"/>
-              <a:t>25/01/2026</a:t>
+              <a:t>10/02/2026</a:t>
             </a:fld>
             <a:endParaRPr lang="pt-BR"/>
           </a:p>
@@ -465,7 +467,7 @@
           <a:p>
             <a:fld id="{1C45F205-BC06-4923-AE40-F9637F79EC90}" type="datetimeFigureOut">
               <a:rPr lang="pt-BR" smtClean="0"/>
-              <a:t>25/01/2026</a:t>
+              <a:t>10/02/2026</a:t>
             </a:fld>
             <a:endParaRPr lang="pt-BR"/>
           </a:p>
@@ -673,7 +675,7 @@
           <a:p>
             <a:fld id="{1C45F205-BC06-4923-AE40-F9637F79EC90}" type="datetimeFigureOut">
               <a:rPr lang="pt-BR" smtClean="0"/>
-              <a:t>25/01/2026</a:t>
+              <a:t>10/02/2026</a:t>
             </a:fld>
             <a:endParaRPr lang="pt-BR"/>
           </a:p>
@@ -871,7 +873,7 @@
           <a:p>
             <a:fld id="{1C45F205-BC06-4923-AE40-F9637F79EC90}" type="datetimeFigureOut">
               <a:rPr lang="pt-BR" smtClean="0"/>
-              <a:t>25/01/2026</a:t>
+              <a:t>10/02/2026</a:t>
             </a:fld>
             <a:endParaRPr lang="pt-BR"/>
           </a:p>
@@ -1146,7 +1148,7 @@
           <a:p>
             <a:fld id="{1C45F205-BC06-4923-AE40-F9637F79EC90}" type="datetimeFigureOut">
               <a:rPr lang="pt-BR" smtClean="0"/>
-              <a:t>25/01/2026</a:t>
+              <a:t>10/02/2026</a:t>
             </a:fld>
             <a:endParaRPr lang="pt-BR"/>
           </a:p>
@@ -1411,7 +1413,7 @@
           <a:p>
             <a:fld id="{1C45F205-BC06-4923-AE40-F9637F79EC90}" type="datetimeFigureOut">
               <a:rPr lang="pt-BR" smtClean="0"/>
-              <a:t>25/01/2026</a:t>
+              <a:t>10/02/2026</a:t>
             </a:fld>
             <a:endParaRPr lang="pt-BR"/>
           </a:p>
@@ -1823,7 +1825,7 @@
           <a:p>
             <a:fld id="{1C45F205-BC06-4923-AE40-F9637F79EC90}" type="datetimeFigureOut">
               <a:rPr lang="pt-BR" smtClean="0"/>
-              <a:t>25/01/2026</a:t>
+              <a:t>10/02/2026</a:t>
             </a:fld>
             <a:endParaRPr lang="pt-BR"/>
           </a:p>
@@ -1964,7 +1966,7 @@
           <a:p>
             <a:fld id="{1C45F205-BC06-4923-AE40-F9637F79EC90}" type="datetimeFigureOut">
               <a:rPr lang="pt-BR" smtClean="0"/>
-              <a:t>25/01/2026</a:t>
+              <a:t>10/02/2026</a:t>
             </a:fld>
             <a:endParaRPr lang="pt-BR"/>
           </a:p>
@@ -2077,7 +2079,7 @@
           <a:p>
             <a:fld id="{1C45F205-BC06-4923-AE40-F9637F79EC90}" type="datetimeFigureOut">
               <a:rPr lang="pt-BR" smtClean="0"/>
-              <a:t>25/01/2026</a:t>
+              <a:t>10/02/2026</a:t>
             </a:fld>
             <a:endParaRPr lang="pt-BR"/>
           </a:p>
@@ -2388,7 +2390,7 @@
           <a:p>
             <a:fld id="{1C45F205-BC06-4923-AE40-F9637F79EC90}" type="datetimeFigureOut">
               <a:rPr lang="pt-BR" smtClean="0"/>
-              <a:t>25/01/2026</a:t>
+              <a:t>10/02/2026</a:t>
             </a:fld>
             <a:endParaRPr lang="pt-BR"/>
           </a:p>
@@ -2676,7 +2678,7 @@
           <a:p>
             <a:fld id="{1C45F205-BC06-4923-AE40-F9637F79EC90}" type="datetimeFigureOut">
               <a:rPr lang="pt-BR" smtClean="0"/>
-              <a:t>25/01/2026</a:t>
+              <a:t>10/02/2026</a:t>
             </a:fld>
             <a:endParaRPr lang="pt-BR"/>
           </a:p>
@@ -2917,7 +2919,7 @@
           <a:p>
             <a:fld id="{1C45F205-BC06-4923-AE40-F9637F79EC90}" type="datetimeFigureOut">
               <a:rPr lang="pt-BR" smtClean="0"/>
-              <a:t>25/01/2026</a:t>
+              <a:t>10/02/2026</a:t>
             </a:fld>
             <a:endParaRPr lang="pt-BR"/>
           </a:p>
@@ -3525,6 +3527,632 @@
 </p:sld>
 </file>
 
+<file path=ppt/slides/slide10.xml><?xml version="1.0" encoding="utf-8"?>
+<p:sld xmlns:a="http://schemas.openxmlformats.org/drawingml/2006/main" xmlns:r="http://schemas.openxmlformats.org/officeDocument/2006/relationships" xmlns:p="http://schemas.openxmlformats.org/presentationml/2006/main">
+  <p:cSld>
+    <p:spTree>
+      <p:nvGrpSpPr>
+        <p:cNvPr id="1" name="">
+          <a:extLst>
+            <a:ext uri="{FF2B5EF4-FFF2-40B4-BE49-F238E27FC236}">
+              <a16:creationId xmlns:a16="http://schemas.microsoft.com/office/drawing/2014/main" id="{51E5E472-551B-D9DD-2520-A32CBA4305B1}"/>
+            </a:ext>
+          </a:extLst>
+        </p:cNvPr>
+        <p:cNvGrpSpPr/>
+        <p:nvPr/>
+      </p:nvGrpSpPr>
+      <p:grpSpPr>
+        <a:xfrm>
+          <a:off x="0" y="0"/>
+          <a:ext cx="0" cy="0"/>
+          <a:chOff x="0" y="0"/>
+          <a:chExt cx="0" cy="0"/>
+        </a:xfrm>
+      </p:grpSpPr>
+      <p:pic>
+        <p:nvPicPr>
+          <p:cNvPr id="5" name="Imagem 4">
+            <a:extLst>
+              <a:ext uri="{FF2B5EF4-FFF2-40B4-BE49-F238E27FC236}">
+                <a16:creationId xmlns:a16="http://schemas.microsoft.com/office/drawing/2014/main" id="{2197F6E7-07D1-05B5-89CE-F019D2FB9F26}"/>
+              </a:ext>
+            </a:extLst>
+          </p:cNvPr>
+          <p:cNvPicPr>
+            <a:picLocks noChangeAspect="1"/>
+          </p:cNvPicPr>
+          <p:nvPr/>
+        </p:nvPicPr>
+        <p:blipFill>
+          <a:blip r:embed="rId2">
+            <a:extLst>
+              <a:ext uri="{28A0092B-C50C-407E-A947-70E740481C1C}">
+                <a14:useLocalDpi xmlns:a14="http://schemas.microsoft.com/office/drawing/2010/main" val="0"/>
+              </a:ext>
+            </a:extLst>
+          </a:blip>
+          <a:stretch>
+            <a:fillRect/>
+          </a:stretch>
+        </p:blipFill>
+        <p:spPr>
+          <a:xfrm>
+            <a:off x="0" y="0"/>
+            <a:ext cx="12192000" cy="6858000"/>
+          </a:xfrm>
+          <a:prstGeom prst="rect">
+            <a:avLst/>
+          </a:prstGeom>
+        </p:spPr>
+      </p:pic>
+      <p:sp>
+        <p:nvSpPr>
+          <p:cNvPr id="2" name="CaixaDeTexto 1">
+            <a:extLst>
+              <a:ext uri="{FF2B5EF4-FFF2-40B4-BE49-F238E27FC236}">
+                <a16:creationId xmlns:a16="http://schemas.microsoft.com/office/drawing/2014/main" id="{40B8863B-03C1-B480-A27A-28CEB6D93B9A}"/>
+              </a:ext>
+            </a:extLst>
+          </p:cNvPr>
+          <p:cNvSpPr txBox="1"/>
+          <p:nvPr/>
+        </p:nvSpPr>
+        <p:spPr>
+          <a:xfrm>
+            <a:off x="5186740" y="197595"/>
+            <a:ext cx="1818520" cy="646331"/>
+          </a:xfrm>
+          <a:prstGeom prst="rect">
+            <a:avLst/>
+          </a:prstGeom>
+          <a:noFill/>
+        </p:spPr>
+        <p:txBody>
+          <a:bodyPr wrap="square" rtlCol="0">
+            <a:spAutoFit/>
+          </a:bodyPr>
+          <a:lstStyle/>
+          <a:p>
+            <a:r>
+              <a:rPr lang="en-US" sz="3600" dirty="0" err="1"/>
+              <a:t>Exercício</a:t>
+            </a:r>
+            <a:endParaRPr lang="pt-BR" sz="3600" dirty="0"/>
+          </a:p>
+        </p:txBody>
+      </p:sp>
+      <p:pic>
+        <p:nvPicPr>
+          <p:cNvPr id="11" name="Imagem 10">
+            <a:extLst>
+              <a:ext uri="{FF2B5EF4-FFF2-40B4-BE49-F238E27FC236}">
+                <a16:creationId xmlns:a16="http://schemas.microsoft.com/office/drawing/2014/main" id="{308B1A65-BBD5-F228-E14F-D40537226632}"/>
+              </a:ext>
+            </a:extLst>
+          </p:cNvPr>
+          <p:cNvPicPr>
+            <a:picLocks noChangeAspect="1"/>
+          </p:cNvPicPr>
+          <p:nvPr/>
+        </p:nvPicPr>
+        <p:blipFill>
+          <a:blip r:embed="rId3"/>
+          <a:stretch>
+            <a:fillRect/>
+          </a:stretch>
+        </p:blipFill>
+        <p:spPr>
+          <a:xfrm>
+            <a:off x="542078" y="1632043"/>
+            <a:ext cx="4780314" cy="4038541"/>
+          </a:xfrm>
+          <a:prstGeom prst="rect">
+            <a:avLst/>
+          </a:prstGeom>
+        </p:spPr>
+      </p:pic>
+      <p:sp>
+        <p:nvSpPr>
+          <p:cNvPr id="12" name="CaixaDeTexto 11">
+            <a:extLst>
+              <a:ext uri="{FF2B5EF4-FFF2-40B4-BE49-F238E27FC236}">
+                <a16:creationId xmlns:a16="http://schemas.microsoft.com/office/drawing/2014/main" id="{F3B5CFF9-A97A-AE52-F93C-5292FD8768CF}"/>
+              </a:ext>
+            </a:extLst>
+          </p:cNvPr>
+          <p:cNvSpPr txBox="1"/>
+          <p:nvPr/>
+        </p:nvSpPr>
+        <p:spPr>
+          <a:xfrm>
+            <a:off x="5864470" y="1943153"/>
+            <a:ext cx="5723793" cy="3416320"/>
+          </a:xfrm>
+          <a:prstGeom prst="rect">
+            <a:avLst/>
+          </a:prstGeom>
+          <a:noFill/>
+        </p:spPr>
+        <p:txBody>
+          <a:bodyPr wrap="square" rtlCol="0">
+            <a:spAutoFit/>
+          </a:bodyPr>
+          <a:lstStyle/>
+          <a:p>
+            <a:r>
+              <a:rPr lang="en-US" sz="2400" dirty="0"/>
+              <a:t>Para o </a:t>
+            </a:r>
+            <a:r>
+              <a:rPr lang="en-US" sz="2400" dirty="0" err="1"/>
+              <a:t>esquema</a:t>
+            </a:r>
+            <a:r>
+              <a:rPr lang="en-US" sz="2400" dirty="0"/>
+              <a:t> </a:t>
+            </a:r>
+            <a:r>
+              <a:rPr lang="en-US" sz="2400" dirty="0" err="1"/>
+              <a:t>ao</a:t>
+            </a:r>
+            <a:r>
+              <a:rPr lang="en-US" sz="2400" dirty="0"/>
+              <a:t> </a:t>
+            </a:r>
+            <a:r>
+              <a:rPr lang="en-US" sz="2400" dirty="0" err="1"/>
+              <a:t>lado</a:t>
+            </a:r>
+            <a:r>
+              <a:rPr lang="en-US" sz="2400" dirty="0"/>
+              <a:t>, </a:t>
+            </a:r>
+            <a:r>
+              <a:rPr lang="en-US" sz="2400" dirty="0" err="1"/>
+              <a:t>faça</a:t>
+            </a:r>
+            <a:r>
+              <a:rPr lang="en-US" sz="2400" dirty="0"/>
+              <a:t> o que se </a:t>
+            </a:r>
+            <a:r>
+              <a:rPr lang="en-US" sz="2400" dirty="0" err="1"/>
+              <a:t>pede</a:t>
+            </a:r>
+            <a:r>
+              <a:rPr lang="en-US" sz="2400" dirty="0"/>
+              <a:t>:</a:t>
+            </a:r>
+          </a:p>
+          <a:p>
+            <a:endParaRPr lang="en-US" sz="2400" dirty="0"/>
+          </a:p>
+          <a:p>
+            <a:pPr marL="285750" indent="-285750">
+              <a:buFont typeface="Courier New" panose="02070309020205020404" pitchFamily="49" charset="0"/>
+              <a:buChar char="o"/>
+            </a:pPr>
+            <a:r>
+              <a:rPr lang="en-US" sz="2400" dirty="0" err="1"/>
+              <a:t>Crie</a:t>
+            </a:r>
+            <a:r>
+              <a:rPr lang="en-US" sz="2400" dirty="0"/>
+              <a:t> </a:t>
+            </a:r>
+            <a:r>
+              <a:rPr lang="en-US" sz="2400" dirty="0" err="1"/>
+              <a:t>dois</a:t>
+            </a:r>
+            <a:r>
+              <a:rPr lang="en-US" sz="2400" dirty="0"/>
+              <a:t> </a:t>
+            </a:r>
+            <a:r>
+              <a:rPr lang="en-US" sz="2400" dirty="0" err="1"/>
+              <a:t>usuários</a:t>
+            </a:r>
+            <a:r>
+              <a:rPr lang="en-US" sz="2400" dirty="0"/>
+              <a:t> com </a:t>
+            </a:r>
+            <a:r>
+              <a:rPr lang="en-US" sz="2400" dirty="0" err="1"/>
+              <a:t>suas</a:t>
+            </a:r>
+            <a:r>
+              <a:rPr lang="en-US" sz="2400" dirty="0"/>
+              <a:t> </a:t>
+            </a:r>
+            <a:r>
+              <a:rPr lang="en-US" sz="2400" dirty="0" err="1"/>
+              <a:t>senhas</a:t>
+            </a:r>
+            <a:r>
+              <a:rPr lang="en-US" sz="2400" dirty="0"/>
+              <a:t>;</a:t>
+            </a:r>
+          </a:p>
+          <a:p>
+            <a:pPr marL="285750" indent="-285750">
+              <a:buFont typeface="Courier New" panose="02070309020205020404" pitchFamily="49" charset="0"/>
+              <a:buChar char="o"/>
+            </a:pPr>
+            <a:r>
+              <a:rPr lang="en-US" sz="2400" dirty="0"/>
+              <a:t>Para o </a:t>
+            </a:r>
+            <a:r>
+              <a:rPr lang="en-US" sz="2400" dirty="0" err="1"/>
+              <a:t>primeiro</a:t>
+            </a:r>
+            <a:r>
+              <a:rPr lang="en-US" sz="2400" dirty="0"/>
+              <a:t>, </a:t>
+            </a:r>
+            <a:r>
+              <a:rPr lang="en-US" sz="2400" dirty="0" err="1"/>
+              <a:t>conceda</a:t>
+            </a:r>
+            <a:r>
+              <a:rPr lang="en-US" sz="2400" dirty="0"/>
+              <a:t> INSERT, DELETE;</a:t>
+            </a:r>
+          </a:p>
+          <a:p>
+            <a:pPr marL="285750" indent="-285750">
+              <a:buFont typeface="Courier New" panose="02070309020205020404" pitchFamily="49" charset="0"/>
+              <a:buChar char="o"/>
+            </a:pPr>
+            <a:r>
+              <a:rPr lang="en-US" sz="2400" dirty="0"/>
+              <a:t>Para o </a:t>
+            </a:r>
+            <a:r>
+              <a:rPr lang="en-US" sz="2400" dirty="0" err="1"/>
+              <a:t>segundo</a:t>
+            </a:r>
+            <a:r>
+              <a:rPr lang="en-US" sz="2400" dirty="0"/>
+              <a:t>, </a:t>
+            </a:r>
+            <a:r>
+              <a:rPr lang="en-US" sz="2400" dirty="0" err="1"/>
+              <a:t>conceda</a:t>
+            </a:r>
+            <a:r>
+              <a:rPr lang="en-US" sz="2400" dirty="0"/>
+              <a:t> </a:t>
+            </a:r>
+            <a:r>
+              <a:rPr lang="en-US" sz="2400" dirty="0" err="1"/>
+              <a:t>todos</a:t>
+            </a:r>
+            <a:r>
+              <a:rPr lang="en-US" sz="2400" dirty="0"/>
+              <a:t> </a:t>
+            </a:r>
+            <a:r>
+              <a:rPr lang="en-US" sz="2400" dirty="0" err="1"/>
+              <a:t>os</a:t>
+            </a:r>
+            <a:r>
+              <a:rPr lang="en-US" sz="2400" dirty="0"/>
+              <a:t> </a:t>
+            </a:r>
+            <a:r>
+              <a:rPr lang="en-US" sz="2400" dirty="0" err="1"/>
+              <a:t>privilégios</a:t>
+            </a:r>
+            <a:r>
+              <a:rPr lang="en-US" sz="2400" dirty="0"/>
+              <a:t> </a:t>
+            </a:r>
+            <a:r>
+              <a:rPr lang="en-US" sz="2400" dirty="0" err="1"/>
+              <a:t>em</a:t>
+            </a:r>
+            <a:r>
+              <a:rPr lang="en-US" sz="2400" dirty="0"/>
+              <a:t> </a:t>
+            </a:r>
+            <a:r>
+              <a:rPr lang="en-US" sz="2400" dirty="0" err="1"/>
+              <a:t>todas</a:t>
+            </a:r>
+            <a:r>
+              <a:rPr lang="en-US" sz="2400" dirty="0"/>
+              <a:t> as </a:t>
+            </a:r>
+            <a:r>
+              <a:rPr lang="en-US" sz="2400" dirty="0" err="1"/>
+              <a:t>tabelas</a:t>
+            </a:r>
+            <a:r>
+              <a:rPr lang="en-US" sz="2400" dirty="0"/>
+              <a:t>;</a:t>
+            </a:r>
+          </a:p>
+          <a:p>
+            <a:pPr marL="285750" indent="-285750">
+              <a:buFont typeface="Courier New" panose="02070309020205020404" pitchFamily="49" charset="0"/>
+              <a:buChar char="o"/>
+            </a:pPr>
+            <a:r>
+              <a:rPr lang="en-US" sz="2400" dirty="0"/>
+              <a:t>Retire </a:t>
+            </a:r>
+            <a:r>
+              <a:rPr lang="en-US" sz="2400" dirty="0" err="1"/>
+              <a:t>todos</a:t>
+            </a:r>
+            <a:r>
+              <a:rPr lang="en-US" sz="2400" dirty="0"/>
+              <a:t> </a:t>
+            </a:r>
+            <a:r>
+              <a:rPr lang="en-US" sz="2400" dirty="0" err="1"/>
+              <a:t>os</a:t>
+            </a:r>
+            <a:r>
+              <a:rPr lang="en-US" sz="2400" dirty="0"/>
+              <a:t> </a:t>
+            </a:r>
+            <a:r>
+              <a:rPr lang="en-US" sz="2400" dirty="0" err="1"/>
+              <a:t>privilégios</a:t>
+            </a:r>
+            <a:r>
+              <a:rPr lang="en-US" sz="2400" dirty="0"/>
+              <a:t> do </a:t>
+            </a:r>
+            <a:r>
+              <a:rPr lang="en-US" sz="2400" dirty="0" err="1"/>
+              <a:t>primeiro</a:t>
+            </a:r>
+            <a:r>
+              <a:rPr lang="en-US" sz="2400" dirty="0"/>
+              <a:t>;</a:t>
+            </a:r>
+          </a:p>
+          <a:p>
+            <a:pPr marL="285750" indent="-285750">
+              <a:buFont typeface="Courier New" panose="02070309020205020404" pitchFamily="49" charset="0"/>
+              <a:buChar char="o"/>
+            </a:pPr>
+            <a:r>
+              <a:rPr lang="en-US" sz="2400" dirty="0"/>
+              <a:t>Retire </a:t>
+            </a:r>
+            <a:r>
+              <a:rPr lang="en-US" sz="2400" dirty="0" err="1"/>
+              <a:t>os</a:t>
+            </a:r>
+            <a:r>
+              <a:rPr lang="en-US" sz="2400" dirty="0"/>
+              <a:t> </a:t>
+            </a:r>
+            <a:r>
+              <a:rPr lang="en-US" sz="2400" dirty="0" err="1"/>
+              <a:t>privilégios</a:t>
+            </a:r>
+            <a:r>
+              <a:rPr lang="en-US" sz="2400" dirty="0"/>
+              <a:t> UPDATE e DELETE do Segundo </a:t>
+            </a:r>
+            <a:r>
+              <a:rPr lang="en-US" sz="2400" dirty="0" err="1"/>
+              <a:t>em</a:t>
+            </a:r>
+            <a:r>
+              <a:rPr lang="en-US" sz="2400" dirty="0"/>
+              <a:t> </a:t>
+            </a:r>
+            <a:r>
+              <a:rPr lang="en-US" sz="2400" dirty="0" err="1"/>
+              <a:t>todas</a:t>
+            </a:r>
+            <a:r>
+              <a:rPr lang="en-US" sz="2400" dirty="0"/>
+              <a:t> as </a:t>
+            </a:r>
+            <a:r>
+              <a:rPr lang="en-US" sz="2400" dirty="0" err="1"/>
+              <a:t>tabelas</a:t>
+            </a:r>
+            <a:r>
+              <a:rPr lang="en-US" sz="2400" dirty="0"/>
+              <a:t>.</a:t>
+            </a:r>
+            <a:endParaRPr lang="pt-BR" sz="2400" dirty="0"/>
+          </a:p>
+        </p:txBody>
+      </p:sp>
+    </p:spTree>
+    <p:extLst>
+      <p:ext uri="{BB962C8B-B14F-4D97-AF65-F5344CB8AC3E}">
+        <p14:creationId xmlns:p14="http://schemas.microsoft.com/office/powerpoint/2010/main" val="3930558747"/>
+      </p:ext>
+    </p:extLst>
+  </p:cSld>
+  <p:clrMapOvr>
+    <a:masterClrMapping/>
+  </p:clrMapOvr>
+</p:sld>
+</file>
+
+<file path=ppt/slides/slide11.xml><?xml version="1.0" encoding="utf-8"?>
+<p:sld xmlns:a="http://schemas.openxmlformats.org/drawingml/2006/main" xmlns:r="http://schemas.openxmlformats.org/officeDocument/2006/relationships" xmlns:p="http://schemas.openxmlformats.org/presentationml/2006/main">
+  <p:cSld>
+    <p:spTree>
+      <p:nvGrpSpPr>
+        <p:cNvPr id="1" name="">
+          <a:extLst>
+            <a:ext uri="{FF2B5EF4-FFF2-40B4-BE49-F238E27FC236}">
+              <a16:creationId xmlns:a16="http://schemas.microsoft.com/office/drawing/2014/main" id="{A9F73D6E-FC32-50DA-1CBC-9FDC465B155C}"/>
+            </a:ext>
+          </a:extLst>
+        </p:cNvPr>
+        <p:cNvGrpSpPr/>
+        <p:nvPr/>
+      </p:nvGrpSpPr>
+      <p:grpSpPr>
+        <a:xfrm>
+          <a:off x="0" y="0"/>
+          <a:ext cx="0" cy="0"/>
+          <a:chOff x="0" y="0"/>
+          <a:chExt cx="0" cy="0"/>
+        </a:xfrm>
+      </p:grpSpPr>
+      <p:sp>
+        <p:nvSpPr>
+          <p:cNvPr id="2" name="Título 1">
+            <a:extLst>
+              <a:ext uri="{FF2B5EF4-FFF2-40B4-BE49-F238E27FC236}">
+                <a16:creationId xmlns:a16="http://schemas.microsoft.com/office/drawing/2014/main" id="{7D33F163-C736-9349-5711-22D353FEFD1A}"/>
+              </a:ext>
+            </a:extLst>
+          </p:cNvPr>
+          <p:cNvSpPr>
+            <a:spLocks noGrp="1"/>
+          </p:cNvSpPr>
+          <p:nvPr>
+            <p:ph type="title"/>
+          </p:nvPr>
+        </p:nvSpPr>
+        <p:spPr/>
+        <p:txBody>
+          <a:bodyPr/>
+          <a:lstStyle/>
+          <a:p>
+            <a:endParaRPr lang="pt-BR"/>
+          </a:p>
+        </p:txBody>
+      </p:sp>
+      <p:sp>
+        <p:nvSpPr>
+          <p:cNvPr id="3" name="Espaço Reservado para Conteúdo 2">
+            <a:extLst>
+              <a:ext uri="{FF2B5EF4-FFF2-40B4-BE49-F238E27FC236}">
+                <a16:creationId xmlns:a16="http://schemas.microsoft.com/office/drawing/2014/main" id="{13625611-E7FA-1D72-494A-0AFBC3CF9FB2}"/>
+              </a:ext>
+            </a:extLst>
+          </p:cNvPr>
+          <p:cNvSpPr>
+            <a:spLocks noGrp="1"/>
+          </p:cNvSpPr>
+          <p:nvPr>
+            <p:ph idx="1"/>
+          </p:nvPr>
+        </p:nvSpPr>
+        <p:spPr/>
+        <p:txBody>
+          <a:bodyPr/>
+          <a:lstStyle/>
+          <a:p>
+            <a:endParaRPr lang="pt-BR"/>
+          </a:p>
+        </p:txBody>
+      </p:sp>
+      <p:pic>
+        <p:nvPicPr>
+          <p:cNvPr id="4" name="Imagem 3">
+            <a:extLst>
+              <a:ext uri="{FF2B5EF4-FFF2-40B4-BE49-F238E27FC236}">
+                <a16:creationId xmlns:a16="http://schemas.microsoft.com/office/drawing/2014/main" id="{743371B3-3339-12F0-DD89-453EBF0A0ED8}"/>
+              </a:ext>
+            </a:extLst>
+          </p:cNvPr>
+          <p:cNvPicPr>
+            <a:picLocks noChangeAspect="1"/>
+          </p:cNvPicPr>
+          <p:nvPr/>
+        </p:nvPicPr>
+        <p:blipFill>
+          <a:blip r:embed="rId2">
+            <a:extLst>
+              <a:ext uri="{28A0092B-C50C-407E-A947-70E740481C1C}">
+                <a14:useLocalDpi xmlns:a14="http://schemas.microsoft.com/office/drawing/2010/main" val="0"/>
+              </a:ext>
+            </a:extLst>
+          </a:blip>
+          <a:stretch>
+            <a:fillRect/>
+          </a:stretch>
+        </p:blipFill>
+        <p:spPr>
+          <a:xfrm>
+            <a:off x="0" y="0"/>
+            <a:ext cx="12192000" cy="6858000"/>
+          </a:xfrm>
+          <a:prstGeom prst="rect">
+            <a:avLst/>
+          </a:prstGeom>
+        </p:spPr>
+      </p:pic>
+      <p:sp>
+        <p:nvSpPr>
+          <p:cNvPr id="5" name="CaixaDeTexto 4">
+            <a:extLst>
+              <a:ext uri="{FF2B5EF4-FFF2-40B4-BE49-F238E27FC236}">
+                <a16:creationId xmlns:a16="http://schemas.microsoft.com/office/drawing/2014/main" id="{C30338DA-9061-D8D4-B5A5-66A14A047FD4}"/>
+              </a:ext>
+            </a:extLst>
+          </p:cNvPr>
+          <p:cNvSpPr txBox="1"/>
+          <p:nvPr/>
+        </p:nvSpPr>
+        <p:spPr>
+          <a:xfrm>
+            <a:off x="3924300" y="2413337"/>
+            <a:ext cx="4343400" cy="1938992"/>
+          </a:xfrm>
+          <a:prstGeom prst="rect">
+            <a:avLst/>
+          </a:prstGeom>
+          <a:noFill/>
+        </p:spPr>
+        <p:txBody>
+          <a:bodyPr wrap="square" rtlCol="0">
+            <a:spAutoFit/>
+          </a:bodyPr>
+          <a:lstStyle/>
+          <a:p>
+            <a:pPr algn="ctr"/>
+            <a:r>
+              <a:rPr lang="en-US" sz="6000" dirty="0">
+                <a:solidFill>
+                  <a:schemeClr val="accent5">
+                    <a:lumMod val="75000"/>
+                  </a:schemeClr>
+                </a:solidFill>
+              </a:rPr>
+              <a:t>AULA CONCLUÍDA!</a:t>
+            </a:r>
+            <a:endParaRPr lang="pt-BR" sz="6000" dirty="0">
+              <a:solidFill>
+                <a:schemeClr val="accent5">
+                  <a:lumMod val="75000"/>
+                </a:schemeClr>
+              </a:solidFill>
+            </a:endParaRPr>
+          </a:p>
+        </p:txBody>
+      </p:sp>
+    </p:spTree>
+    <p:extLst>
+      <p:ext uri="{BB962C8B-B14F-4D97-AF65-F5344CB8AC3E}">
+        <p14:creationId xmlns:p14="http://schemas.microsoft.com/office/powerpoint/2010/main" val="3532846639"/>
+      </p:ext>
+    </p:extLst>
+  </p:cSld>
+  <p:clrMapOvr>
+    <a:masterClrMapping/>
+  </p:clrMapOvr>
+</p:sld>
+</file>
+
 <file path=ppt/slides/slide2.xml><?xml version="1.0" encoding="utf-8"?>
 <p:sld xmlns:a="http://schemas.openxmlformats.org/drawingml/2006/main" xmlns:r="http://schemas.openxmlformats.org/officeDocument/2006/relationships" xmlns:p="http://schemas.openxmlformats.org/presentationml/2006/main">
   <p:cSld>
@@ -5069,7 +5697,7 @@
         <p:cNvPr id="1" name="">
           <a:extLst>
             <a:ext uri="{FF2B5EF4-FFF2-40B4-BE49-F238E27FC236}">
-              <a16:creationId xmlns:a16="http://schemas.microsoft.com/office/drawing/2014/main" id="{51E5E472-551B-D9DD-2520-A32CBA4305B1}"/>
+              <a16:creationId xmlns:a16="http://schemas.microsoft.com/office/drawing/2014/main" id="{6802D139-FCA3-7A77-170A-9C7BD6F0913A}"/>
             </a:ext>
           </a:extLst>
         </p:cNvPr>
@@ -5089,7 +5717,7 @@
           <p:cNvPr id="5" name="Imagem 4">
             <a:extLst>
               <a:ext uri="{FF2B5EF4-FFF2-40B4-BE49-F238E27FC236}">
-                <a16:creationId xmlns:a16="http://schemas.microsoft.com/office/drawing/2014/main" id="{2197F6E7-07D1-05B5-89CE-F019D2FB9F26}"/>
+                <a16:creationId xmlns:a16="http://schemas.microsoft.com/office/drawing/2014/main" id="{E35B40CF-27D2-5913-E42F-18006945F771}"/>
               </a:ext>
             </a:extLst>
           </p:cNvPr>
@@ -5120,48 +5748,12 @@
           </a:prstGeom>
         </p:spPr>
       </p:pic>
-      <p:sp>
-        <p:nvSpPr>
-          <p:cNvPr id="2" name="CaixaDeTexto 1">
-            <a:extLst>
-              <a:ext uri="{FF2B5EF4-FFF2-40B4-BE49-F238E27FC236}">
-                <a16:creationId xmlns:a16="http://schemas.microsoft.com/office/drawing/2014/main" id="{40B8863B-03C1-B480-A27A-28CEB6D93B9A}"/>
-              </a:ext>
-            </a:extLst>
-          </p:cNvPr>
-          <p:cNvSpPr txBox="1"/>
-          <p:nvPr/>
-        </p:nvSpPr>
-        <p:spPr>
-          <a:xfrm>
-            <a:off x="5186740" y="197595"/>
-            <a:ext cx="1818520" cy="646331"/>
-          </a:xfrm>
-          <a:prstGeom prst="rect">
-            <a:avLst/>
-          </a:prstGeom>
-          <a:noFill/>
-        </p:spPr>
-        <p:txBody>
-          <a:bodyPr wrap="square" rtlCol="0">
-            <a:spAutoFit/>
-          </a:bodyPr>
-          <a:lstStyle/>
-          <a:p>
-            <a:r>
-              <a:rPr lang="en-US" sz="3600" dirty="0" err="1"/>
-              <a:t>Exercício</a:t>
-            </a:r>
-            <a:endParaRPr lang="pt-BR" sz="3600" dirty="0"/>
-          </a:p>
-        </p:txBody>
-      </p:sp>
       <p:pic>
         <p:nvPicPr>
-          <p:cNvPr id="11" name="Imagem 10">
-            <a:extLst>
-              <a:ext uri="{FF2B5EF4-FFF2-40B4-BE49-F238E27FC236}">
-                <a16:creationId xmlns:a16="http://schemas.microsoft.com/office/drawing/2014/main" id="{308B1A65-BBD5-F228-E14F-D40537226632}"/>
+          <p:cNvPr id="4" name="Imagem 3" descr="Interface gráfica do usuário, Texto, Aplicativo&#10;&#10;O conteúdo gerado por IA pode estar incorreto.">
+            <a:extLst>
+              <a:ext uri="{FF2B5EF4-FFF2-40B4-BE49-F238E27FC236}">
+                <a16:creationId xmlns:a16="http://schemas.microsoft.com/office/drawing/2014/main" id="{FC82F101-46D0-6AFC-72F6-2E9AECB00CD7}"/>
               </a:ext>
             </a:extLst>
           </p:cNvPr>
@@ -5178,335 +5770,234 @@
         </p:blipFill>
         <p:spPr>
           <a:xfrm>
-            <a:off x="542078" y="1632043"/>
-            <a:ext cx="4780314" cy="4038541"/>
+            <a:off x="1106901" y="331795"/>
+            <a:ext cx="2870600" cy="2152950"/>
           </a:xfrm>
           <a:prstGeom prst="rect">
             <a:avLst/>
           </a:prstGeom>
         </p:spPr>
       </p:pic>
-      <p:sp>
-        <p:nvSpPr>
-          <p:cNvPr id="12" name="CaixaDeTexto 11">
-            <a:extLst>
-              <a:ext uri="{FF2B5EF4-FFF2-40B4-BE49-F238E27FC236}">
-                <a16:creationId xmlns:a16="http://schemas.microsoft.com/office/drawing/2014/main" id="{F3B5CFF9-A97A-AE52-F93C-5292FD8768CF}"/>
-              </a:ext>
-            </a:extLst>
-          </p:cNvPr>
-          <p:cNvSpPr txBox="1"/>
+      <p:pic>
+        <p:nvPicPr>
+          <p:cNvPr id="7" name="Imagem 6" descr="Tabela&#10;&#10;O conteúdo gerado por IA pode estar incorreto.">
+            <a:extLst>
+              <a:ext uri="{FF2B5EF4-FFF2-40B4-BE49-F238E27FC236}">
+                <a16:creationId xmlns:a16="http://schemas.microsoft.com/office/drawing/2014/main" id="{7B76D030-F957-6AEC-A976-EBD91BFF1AFD}"/>
+              </a:ext>
+            </a:extLst>
+          </p:cNvPr>
+          <p:cNvPicPr>
+            <a:picLocks noChangeAspect="1"/>
+          </p:cNvPicPr>
           <p:nvPr/>
-        </p:nvSpPr>
+        </p:nvPicPr>
+        <p:blipFill>
+          <a:blip r:embed="rId4"/>
+          <a:stretch>
+            <a:fillRect/>
+          </a:stretch>
+        </p:blipFill>
         <p:spPr>
           <a:xfrm>
-            <a:off x="5864470" y="1943153"/>
-            <a:ext cx="5723793" cy="3416320"/>
+            <a:off x="1106901" y="3812049"/>
+            <a:ext cx="2838846" cy="2152950"/>
           </a:xfrm>
           <a:prstGeom prst="rect">
             <a:avLst/>
           </a:prstGeom>
-          <a:noFill/>
-        </p:spPr>
-        <p:txBody>
-          <a:bodyPr wrap="square" rtlCol="0">
-            <a:spAutoFit/>
-          </a:bodyPr>
-          <a:lstStyle/>
-          <a:p>
-            <a:r>
-              <a:rPr lang="en-US" sz="2400" dirty="0"/>
-              <a:t>Para o </a:t>
-            </a:r>
-            <a:r>
-              <a:rPr lang="en-US" sz="2400" dirty="0" err="1"/>
-              <a:t>esquema</a:t>
-            </a:r>
-            <a:r>
-              <a:rPr lang="en-US" sz="2400" dirty="0"/>
-              <a:t> </a:t>
-            </a:r>
-            <a:r>
-              <a:rPr lang="en-US" sz="2400" dirty="0" err="1"/>
-              <a:t>ao</a:t>
-            </a:r>
-            <a:r>
-              <a:rPr lang="en-US" sz="2400" dirty="0"/>
-              <a:t> </a:t>
-            </a:r>
-            <a:r>
-              <a:rPr lang="en-US" sz="2400" dirty="0" err="1"/>
-              <a:t>lado</a:t>
-            </a:r>
-            <a:r>
-              <a:rPr lang="en-US" sz="2400" dirty="0"/>
-              <a:t>, </a:t>
-            </a:r>
-            <a:r>
-              <a:rPr lang="en-US" sz="2400" dirty="0" err="1"/>
-              <a:t>faça</a:t>
-            </a:r>
-            <a:r>
-              <a:rPr lang="en-US" sz="2400" dirty="0"/>
-              <a:t> o que se </a:t>
-            </a:r>
-            <a:r>
-              <a:rPr lang="en-US" sz="2400" dirty="0" err="1"/>
-              <a:t>pede</a:t>
-            </a:r>
-            <a:r>
-              <a:rPr lang="en-US" sz="2400" dirty="0"/>
-              <a:t>:</a:t>
-            </a:r>
-          </a:p>
-          <a:p>
-            <a:endParaRPr lang="en-US" sz="2400" dirty="0"/>
-          </a:p>
-          <a:p>
-            <a:pPr marL="285750" indent="-285750">
-              <a:buFont typeface="Courier New" panose="02070309020205020404" pitchFamily="49" charset="0"/>
-              <a:buChar char="o"/>
-            </a:pPr>
-            <a:r>
-              <a:rPr lang="en-US" sz="2400" dirty="0" err="1"/>
-              <a:t>Crie</a:t>
-            </a:r>
-            <a:r>
-              <a:rPr lang="en-US" sz="2400" dirty="0"/>
-              <a:t> </a:t>
-            </a:r>
-            <a:r>
-              <a:rPr lang="en-US" sz="2400" dirty="0" err="1"/>
-              <a:t>dois</a:t>
-            </a:r>
-            <a:r>
-              <a:rPr lang="en-US" sz="2400" dirty="0"/>
-              <a:t> </a:t>
-            </a:r>
-            <a:r>
-              <a:rPr lang="en-US" sz="2400" dirty="0" err="1"/>
-              <a:t>usuários</a:t>
-            </a:r>
-            <a:r>
-              <a:rPr lang="en-US" sz="2400" dirty="0"/>
-              <a:t> com </a:t>
-            </a:r>
-            <a:r>
-              <a:rPr lang="en-US" sz="2400" dirty="0" err="1"/>
-              <a:t>suas</a:t>
-            </a:r>
-            <a:r>
-              <a:rPr lang="en-US" sz="2400" dirty="0"/>
-              <a:t> </a:t>
-            </a:r>
-            <a:r>
-              <a:rPr lang="en-US" sz="2400" dirty="0" err="1"/>
-              <a:t>senhas</a:t>
-            </a:r>
-            <a:r>
-              <a:rPr lang="en-US" sz="2400" dirty="0"/>
-              <a:t>;</a:t>
-            </a:r>
-          </a:p>
-          <a:p>
-            <a:pPr marL="285750" indent="-285750">
-              <a:buFont typeface="Courier New" panose="02070309020205020404" pitchFamily="49" charset="0"/>
-              <a:buChar char="o"/>
-            </a:pPr>
-            <a:r>
-              <a:rPr lang="en-US" sz="2400" dirty="0"/>
-              <a:t>Para o </a:t>
-            </a:r>
-            <a:r>
-              <a:rPr lang="en-US" sz="2400" dirty="0" err="1"/>
-              <a:t>primeiro</a:t>
-            </a:r>
-            <a:r>
-              <a:rPr lang="en-US" sz="2400" dirty="0"/>
-              <a:t>, </a:t>
-            </a:r>
-            <a:r>
-              <a:rPr lang="en-US" sz="2400" dirty="0" err="1"/>
-              <a:t>conceda</a:t>
-            </a:r>
-            <a:r>
-              <a:rPr lang="en-US" sz="2400" dirty="0"/>
-              <a:t> INSERT, DELETE;</a:t>
-            </a:r>
-          </a:p>
-          <a:p>
-            <a:pPr marL="285750" indent="-285750">
-              <a:buFont typeface="Courier New" panose="02070309020205020404" pitchFamily="49" charset="0"/>
-              <a:buChar char="o"/>
-            </a:pPr>
-            <a:r>
-              <a:rPr lang="en-US" sz="2400" dirty="0"/>
-              <a:t>Para o </a:t>
-            </a:r>
-            <a:r>
-              <a:rPr lang="en-US" sz="2400" dirty="0" err="1"/>
-              <a:t>segundo</a:t>
-            </a:r>
-            <a:r>
-              <a:rPr lang="en-US" sz="2400" dirty="0"/>
-              <a:t>, </a:t>
-            </a:r>
-            <a:r>
-              <a:rPr lang="en-US" sz="2400" dirty="0" err="1"/>
-              <a:t>conceda</a:t>
-            </a:r>
-            <a:r>
-              <a:rPr lang="en-US" sz="2400" dirty="0"/>
-              <a:t> </a:t>
-            </a:r>
-            <a:r>
-              <a:rPr lang="en-US" sz="2400" dirty="0" err="1"/>
-              <a:t>todos</a:t>
-            </a:r>
-            <a:r>
-              <a:rPr lang="en-US" sz="2400" dirty="0"/>
-              <a:t> </a:t>
-            </a:r>
-            <a:r>
-              <a:rPr lang="en-US" sz="2400" dirty="0" err="1"/>
-              <a:t>os</a:t>
-            </a:r>
-            <a:r>
-              <a:rPr lang="en-US" sz="2400" dirty="0"/>
-              <a:t> </a:t>
-            </a:r>
-            <a:r>
-              <a:rPr lang="en-US" sz="2400" dirty="0" err="1"/>
-              <a:t>privilégios</a:t>
-            </a:r>
-            <a:r>
-              <a:rPr lang="en-US" sz="2400" dirty="0"/>
-              <a:t> </a:t>
-            </a:r>
-            <a:r>
-              <a:rPr lang="en-US" sz="2400" dirty="0" err="1"/>
-              <a:t>em</a:t>
-            </a:r>
-            <a:r>
-              <a:rPr lang="en-US" sz="2400" dirty="0"/>
-              <a:t> </a:t>
-            </a:r>
-            <a:r>
-              <a:rPr lang="en-US" sz="2400" dirty="0" err="1"/>
-              <a:t>todas</a:t>
-            </a:r>
-            <a:r>
-              <a:rPr lang="en-US" sz="2400" dirty="0"/>
-              <a:t> as </a:t>
-            </a:r>
-            <a:r>
-              <a:rPr lang="en-US" sz="2400" dirty="0" err="1"/>
-              <a:t>tabelas</a:t>
-            </a:r>
-            <a:r>
-              <a:rPr lang="en-US" sz="2400" dirty="0"/>
-              <a:t>;</a:t>
-            </a:r>
-          </a:p>
-          <a:p>
-            <a:pPr marL="285750" indent="-285750">
-              <a:buFont typeface="Courier New" panose="02070309020205020404" pitchFamily="49" charset="0"/>
-              <a:buChar char="o"/>
-            </a:pPr>
-            <a:r>
-              <a:rPr lang="en-US" sz="2400" dirty="0"/>
-              <a:t>Retire </a:t>
-            </a:r>
-            <a:r>
-              <a:rPr lang="en-US" sz="2400" dirty="0" err="1"/>
-              <a:t>todos</a:t>
-            </a:r>
-            <a:r>
-              <a:rPr lang="en-US" sz="2400" dirty="0"/>
-              <a:t> </a:t>
-            </a:r>
-            <a:r>
-              <a:rPr lang="en-US" sz="2400" dirty="0" err="1"/>
-              <a:t>os</a:t>
-            </a:r>
-            <a:r>
-              <a:rPr lang="en-US" sz="2400" dirty="0"/>
-              <a:t> </a:t>
-            </a:r>
-            <a:r>
-              <a:rPr lang="en-US" sz="2400" dirty="0" err="1"/>
-              <a:t>privilégios</a:t>
-            </a:r>
-            <a:r>
-              <a:rPr lang="en-US" sz="2400" dirty="0"/>
-              <a:t> do </a:t>
-            </a:r>
-            <a:r>
-              <a:rPr lang="en-US" sz="2400" dirty="0" err="1"/>
-              <a:t>primeiro</a:t>
-            </a:r>
-            <a:r>
-              <a:rPr lang="en-US" sz="2400" dirty="0"/>
-              <a:t>;</a:t>
-            </a:r>
-          </a:p>
-          <a:p>
-            <a:pPr marL="285750" indent="-285750">
-              <a:buFont typeface="Courier New" panose="02070309020205020404" pitchFamily="49" charset="0"/>
-              <a:buChar char="o"/>
-            </a:pPr>
-            <a:r>
-              <a:rPr lang="en-US" sz="2400" dirty="0"/>
-              <a:t>Retire </a:t>
-            </a:r>
-            <a:r>
-              <a:rPr lang="en-US" sz="2400" dirty="0" err="1"/>
-              <a:t>os</a:t>
-            </a:r>
-            <a:r>
-              <a:rPr lang="en-US" sz="2400" dirty="0"/>
-              <a:t> </a:t>
-            </a:r>
-            <a:r>
-              <a:rPr lang="en-US" sz="2400" dirty="0" err="1"/>
-              <a:t>privilégios</a:t>
-            </a:r>
-            <a:r>
-              <a:rPr lang="en-US" sz="2400" dirty="0"/>
-              <a:t> UPDATE e DELETE do Segundo </a:t>
-            </a:r>
-            <a:r>
-              <a:rPr lang="en-US" sz="2400" dirty="0" err="1"/>
-              <a:t>em</a:t>
-            </a:r>
-            <a:r>
-              <a:rPr lang="en-US" sz="2400" dirty="0"/>
-              <a:t> </a:t>
-            </a:r>
-            <a:r>
-              <a:rPr lang="en-US" sz="2400" dirty="0" err="1"/>
-              <a:t>todas</a:t>
-            </a:r>
-            <a:r>
-              <a:rPr lang="en-US" sz="2400" dirty="0"/>
-              <a:t> as </a:t>
-            </a:r>
-            <a:r>
-              <a:rPr lang="en-US" sz="2400" dirty="0" err="1"/>
-              <a:t>tabelas</a:t>
-            </a:r>
-            <a:r>
-              <a:rPr lang="en-US" sz="2400" dirty="0"/>
-              <a:t>.</a:t>
-            </a:r>
-            <a:endParaRPr lang="pt-BR" sz="2400" dirty="0"/>
+        </p:spPr>
+      </p:pic>
+      <p:pic>
+        <p:nvPicPr>
+          <p:cNvPr id="9" name="Imagem 8" descr="Interface gráfica do usuário, Texto, Aplicativo, Email&#10;&#10;O conteúdo gerado por IA pode estar incorreto.">
+            <a:extLst>
+              <a:ext uri="{FF2B5EF4-FFF2-40B4-BE49-F238E27FC236}">
+                <a16:creationId xmlns:a16="http://schemas.microsoft.com/office/drawing/2014/main" id="{2D401DA5-AE98-01C4-4556-A99BC2255862}"/>
+              </a:ext>
+            </a:extLst>
+          </p:cNvPr>
+          <p:cNvPicPr>
+            <a:picLocks noChangeAspect="1"/>
+          </p:cNvPicPr>
+          <p:nvPr/>
+        </p:nvPicPr>
+        <p:blipFill>
+          <a:blip r:embed="rId5"/>
+          <a:stretch>
+            <a:fillRect/>
+          </a:stretch>
+        </p:blipFill>
+        <p:spPr>
+          <a:xfrm>
+            <a:off x="5084402" y="1564511"/>
+            <a:ext cx="6375347" cy="3728977"/>
+          </a:xfrm>
+          <a:prstGeom prst="rect">
+            <a:avLst/>
+          </a:prstGeom>
+        </p:spPr>
+      </p:pic>
+      <p:sp>
+        <p:nvSpPr>
+          <p:cNvPr id="14" name="Retângulo: Cantos Arredondados 13">
+            <a:extLst>
+              <a:ext uri="{FF2B5EF4-FFF2-40B4-BE49-F238E27FC236}">
+                <a16:creationId xmlns:a16="http://schemas.microsoft.com/office/drawing/2014/main" id="{5D3D6BF2-05FB-B581-144B-1B79375C1B63}"/>
+              </a:ext>
+            </a:extLst>
+          </p:cNvPr>
+          <p:cNvSpPr/>
+          <p:nvPr/>
+        </p:nvSpPr>
+        <p:spPr>
+          <a:xfrm>
+            <a:off x="1301262" y="1204546"/>
+            <a:ext cx="2004646" cy="325316"/>
+          </a:xfrm>
+          <a:prstGeom prst="roundRect">
+            <a:avLst/>
+          </a:prstGeom>
+          <a:solidFill>
+            <a:schemeClr val="accent5">
+              <a:alpha val="50000"/>
+            </a:schemeClr>
+          </a:solidFill>
+          <a:ln>
+            <a:noFill/>
+          </a:ln>
+        </p:spPr>
+        <p:style>
+          <a:lnRef idx="0">
+            <a:scrgbClr r="0" g="0" b="0"/>
+          </a:lnRef>
+          <a:fillRef idx="0">
+            <a:scrgbClr r="0" g="0" b="0"/>
+          </a:fillRef>
+          <a:effectRef idx="0">
+            <a:scrgbClr r="0" g="0" b="0"/>
+          </a:effectRef>
+          <a:fontRef idx="minor">
+            <a:schemeClr val="lt1"/>
+          </a:fontRef>
+        </p:style>
+        <p:txBody>
+          <a:bodyPr rtlCol="0" anchor="ctr"/>
+          <a:lstStyle/>
+          <a:p>
+            <a:pPr algn="ctr"/>
+            <a:endParaRPr lang="pt-BR"/>
+          </a:p>
+        </p:txBody>
+      </p:sp>
+      <p:sp>
+        <p:nvSpPr>
+          <p:cNvPr id="15" name="Retângulo: Cantos Arredondados 14">
+            <a:extLst>
+              <a:ext uri="{FF2B5EF4-FFF2-40B4-BE49-F238E27FC236}">
+                <a16:creationId xmlns:a16="http://schemas.microsoft.com/office/drawing/2014/main" id="{BB338F0C-9321-CC9E-AB82-B33302CA6C1D}"/>
+              </a:ext>
+            </a:extLst>
+          </p:cNvPr>
+          <p:cNvSpPr/>
+          <p:nvPr/>
+        </p:nvSpPr>
+        <p:spPr>
+          <a:xfrm>
+            <a:off x="1186032" y="5521569"/>
+            <a:ext cx="2119876" cy="263769"/>
+          </a:xfrm>
+          <a:prstGeom prst="roundRect">
+            <a:avLst/>
+          </a:prstGeom>
+          <a:solidFill>
+            <a:schemeClr val="accent5">
+              <a:alpha val="50000"/>
+            </a:schemeClr>
+          </a:solidFill>
+          <a:ln>
+            <a:noFill/>
+          </a:ln>
+        </p:spPr>
+        <p:style>
+          <a:lnRef idx="0">
+            <a:scrgbClr r="0" g="0" b="0"/>
+          </a:lnRef>
+          <a:fillRef idx="0">
+            <a:scrgbClr r="0" g="0" b="0"/>
+          </a:fillRef>
+          <a:effectRef idx="0">
+            <a:scrgbClr r="0" g="0" b="0"/>
+          </a:effectRef>
+          <a:fontRef idx="minor">
+            <a:schemeClr val="lt1"/>
+          </a:fontRef>
+        </p:style>
+        <p:txBody>
+          <a:bodyPr rtlCol="0" anchor="ctr"/>
+          <a:lstStyle/>
+          <a:p>
+            <a:pPr algn="ctr"/>
+            <a:endParaRPr lang="pt-BR"/>
+          </a:p>
+        </p:txBody>
+      </p:sp>
+      <p:sp>
+        <p:nvSpPr>
+          <p:cNvPr id="16" name="Retângulo: Cantos Arredondados 15">
+            <a:extLst>
+              <a:ext uri="{FF2B5EF4-FFF2-40B4-BE49-F238E27FC236}">
+                <a16:creationId xmlns:a16="http://schemas.microsoft.com/office/drawing/2014/main" id="{F2E96E51-6609-462F-226F-ABF13AAA66BA}"/>
+              </a:ext>
+            </a:extLst>
+          </p:cNvPr>
+          <p:cNvSpPr/>
+          <p:nvPr/>
+        </p:nvSpPr>
+        <p:spPr>
+          <a:xfrm>
+            <a:off x="7411915" y="1758462"/>
+            <a:ext cx="967154" cy="193430"/>
+          </a:xfrm>
+          <a:prstGeom prst="roundRect">
+            <a:avLst/>
+          </a:prstGeom>
+          <a:solidFill>
+            <a:schemeClr val="accent5">
+              <a:alpha val="50000"/>
+            </a:schemeClr>
+          </a:solidFill>
+          <a:ln>
+            <a:noFill/>
+          </a:ln>
+        </p:spPr>
+        <p:style>
+          <a:lnRef idx="0">
+            <a:scrgbClr r="0" g="0" b="0"/>
+          </a:lnRef>
+          <a:fillRef idx="0">
+            <a:scrgbClr r="0" g="0" b="0"/>
+          </a:fillRef>
+          <a:effectRef idx="0">
+            <a:scrgbClr r="0" g="0" b="0"/>
+          </a:effectRef>
+          <a:fontRef idx="minor">
+            <a:schemeClr val="lt1"/>
+          </a:fontRef>
+        </p:style>
+        <p:txBody>
+          <a:bodyPr rtlCol="0" anchor="ctr"/>
+          <a:lstStyle/>
+          <a:p>
+            <a:pPr algn="ctr"/>
+            <a:endParaRPr lang="pt-BR"/>
           </a:p>
         </p:txBody>
       </p:sp>
     </p:spTree>
     <p:extLst>
       <p:ext uri="{BB962C8B-B14F-4D97-AF65-F5344CB8AC3E}">
-        <p14:creationId xmlns:p14="http://schemas.microsoft.com/office/powerpoint/2010/main" val="3930558747"/>
+        <p14:creationId xmlns:p14="http://schemas.microsoft.com/office/powerpoint/2010/main" val="2266546223"/>
       </p:ext>
     </p:extLst>
   </p:cSld>
@@ -5524,7 +6015,7 @@
         <p:cNvPr id="1" name="">
           <a:extLst>
             <a:ext uri="{FF2B5EF4-FFF2-40B4-BE49-F238E27FC236}">
-              <a16:creationId xmlns:a16="http://schemas.microsoft.com/office/drawing/2014/main" id="{A9F73D6E-FC32-50DA-1CBC-9FDC465B155C}"/>
+              <a16:creationId xmlns:a16="http://schemas.microsoft.com/office/drawing/2014/main" id="{7E5A10E2-91E7-2CA5-10D1-A503A44002E2}"/>
             </a:ext>
           </a:extLst>
         </p:cNvPr>
@@ -5539,62 +6030,12 @@
           <a:chExt cx="0" cy="0"/>
         </a:xfrm>
       </p:grpSpPr>
-      <p:sp>
-        <p:nvSpPr>
-          <p:cNvPr id="2" name="Título 1">
-            <a:extLst>
-              <a:ext uri="{FF2B5EF4-FFF2-40B4-BE49-F238E27FC236}">
-                <a16:creationId xmlns:a16="http://schemas.microsoft.com/office/drawing/2014/main" id="{7D33F163-C736-9349-5711-22D353FEFD1A}"/>
-              </a:ext>
-            </a:extLst>
-          </p:cNvPr>
-          <p:cNvSpPr>
-            <a:spLocks noGrp="1"/>
-          </p:cNvSpPr>
-          <p:nvPr>
-            <p:ph type="title"/>
-          </p:nvPr>
-        </p:nvSpPr>
-        <p:spPr/>
-        <p:txBody>
-          <a:bodyPr/>
-          <a:lstStyle/>
-          <a:p>
-            <a:endParaRPr lang="pt-BR"/>
-          </a:p>
-        </p:txBody>
-      </p:sp>
-      <p:sp>
-        <p:nvSpPr>
-          <p:cNvPr id="3" name="Espaço Reservado para Conteúdo 2">
-            <a:extLst>
-              <a:ext uri="{FF2B5EF4-FFF2-40B4-BE49-F238E27FC236}">
-                <a16:creationId xmlns:a16="http://schemas.microsoft.com/office/drawing/2014/main" id="{13625611-E7FA-1D72-494A-0AFBC3CF9FB2}"/>
-              </a:ext>
-            </a:extLst>
-          </p:cNvPr>
-          <p:cNvSpPr>
-            <a:spLocks noGrp="1"/>
-          </p:cNvSpPr>
-          <p:nvPr>
-            <p:ph idx="1"/>
-          </p:nvPr>
-        </p:nvSpPr>
-        <p:spPr/>
-        <p:txBody>
-          <a:bodyPr/>
-          <a:lstStyle/>
-          <a:p>
-            <a:endParaRPr lang="pt-BR"/>
-          </a:p>
-        </p:txBody>
-      </p:sp>
       <p:pic>
         <p:nvPicPr>
-          <p:cNvPr id="4" name="Imagem 3">
-            <a:extLst>
-              <a:ext uri="{FF2B5EF4-FFF2-40B4-BE49-F238E27FC236}">
-                <a16:creationId xmlns:a16="http://schemas.microsoft.com/office/drawing/2014/main" id="{743371B3-3339-12F0-DD89-453EBF0A0ED8}"/>
+          <p:cNvPr id="5" name="Imagem 4">
+            <a:extLst>
+              <a:ext uri="{FF2B5EF4-FFF2-40B4-BE49-F238E27FC236}">
+                <a16:creationId xmlns:a16="http://schemas.microsoft.com/office/drawing/2014/main" id="{7F8F9171-963C-9D10-213C-2AF85B59BCBB}"/>
               </a:ext>
             </a:extLst>
           </p:cNvPr>
@@ -5625,59 +6066,40 @@
           </a:prstGeom>
         </p:spPr>
       </p:pic>
-      <p:sp>
-        <p:nvSpPr>
-          <p:cNvPr id="5" name="CaixaDeTexto 4">
-            <a:extLst>
-              <a:ext uri="{FF2B5EF4-FFF2-40B4-BE49-F238E27FC236}">
-                <a16:creationId xmlns:a16="http://schemas.microsoft.com/office/drawing/2014/main" id="{C30338DA-9061-D8D4-B5A5-66A14A047FD4}"/>
-              </a:ext>
-            </a:extLst>
-          </p:cNvPr>
-          <p:cNvSpPr txBox="1"/>
+      <p:pic>
+        <p:nvPicPr>
+          <p:cNvPr id="3" name="Imagem 2" descr="Interface gráfica do usuário, Texto, Aplicativo, Email&#10;&#10;O conteúdo gerado por IA pode estar incorreto.">
+            <a:extLst>
+              <a:ext uri="{FF2B5EF4-FFF2-40B4-BE49-F238E27FC236}">
+                <a16:creationId xmlns:a16="http://schemas.microsoft.com/office/drawing/2014/main" id="{6928AEB7-DE03-15B3-9857-8AD37D13D9CD}"/>
+              </a:ext>
+            </a:extLst>
+          </p:cNvPr>
+          <p:cNvPicPr>
+            <a:picLocks noChangeAspect="1"/>
+          </p:cNvPicPr>
           <p:nvPr/>
-        </p:nvSpPr>
+        </p:nvPicPr>
+        <p:blipFill>
+          <a:blip r:embed="rId3"/>
+          <a:stretch>
+            <a:fillRect/>
+          </a:stretch>
+        </p:blipFill>
         <p:spPr>
           <a:xfrm>
-            <a:off x="3924300" y="2413337"/>
-            <a:ext cx="4343400" cy="1938992"/>
+            <a:off x="1104203" y="647312"/>
+            <a:ext cx="9983593" cy="5563376"/>
           </a:xfrm>
           <a:prstGeom prst="rect">
             <a:avLst/>
           </a:prstGeom>
-          <a:noFill/>
-        </p:spPr>
-        <p:txBody>
-          <a:bodyPr wrap="square" rtlCol="0">
-            <a:spAutoFit/>
-          </a:bodyPr>
-          <a:lstStyle/>
-          <a:p>
-            <a:pPr algn="ctr"/>
-            <a:r>
-              <a:rPr lang="en-US" sz="6000" dirty="0">
-                <a:solidFill>
-                  <a:schemeClr val="accent5">
-                    <a:lumMod val="75000"/>
-                  </a:schemeClr>
-                </a:solidFill>
-              </a:rPr>
-              <a:t>AULA CONCLUÍDA!</a:t>
-            </a:r>
-            <a:endParaRPr lang="pt-BR" sz="6000" dirty="0">
-              <a:solidFill>
-                <a:schemeClr val="accent5">
-                  <a:lumMod val="75000"/>
-                </a:schemeClr>
-              </a:solidFill>
-            </a:endParaRPr>
-          </a:p>
-        </p:txBody>
-      </p:sp>
+        </p:spPr>
+      </p:pic>
     </p:spTree>
     <p:extLst>
       <p:ext uri="{BB962C8B-B14F-4D97-AF65-F5344CB8AC3E}">
-        <p14:creationId xmlns:p14="http://schemas.microsoft.com/office/powerpoint/2010/main" val="3532846639"/>
+        <p14:creationId xmlns:p14="http://schemas.microsoft.com/office/powerpoint/2010/main" val="49284742"/>
       </p:ext>
     </p:extLst>
   </p:cSld>
